--- a/Лекция 12.pptx
+++ b/Лекция 12.pptx
@@ -260,7 +260,7 @@
           <a:p>
             <a:fld id="{44DBC884-B382-4302-8488-D4E467EB670D}" type="datetimeFigureOut">
               <a:rPr lang="ru-RU" smtClean="0"/>
-              <a:t>21.04.2021</a:t>
+              <a:t>30.03.2022</a:t>
             </a:fld>
             <a:endParaRPr lang="ru-RU" dirty="0"/>
           </a:p>
@@ -659,7 +659,7 @@
           <a:p>
             <a:fld id="{9F4DF3D0-C105-404D-A43B-7CBA1B97B744}" type="datetimeFigureOut">
               <a:rPr lang="ru-RU" smtClean="0"/>
-              <a:t>21.04.2021</a:t>
+              <a:t>30.03.2022</a:t>
             </a:fld>
             <a:endParaRPr lang="ru-RU" dirty="0"/>
           </a:p>
@@ -829,7 +829,7 @@
           <a:p>
             <a:fld id="{9F4DF3D0-C105-404D-A43B-7CBA1B97B744}" type="datetimeFigureOut">
               <a:rPr lang="ru-RU" smtClean="0"/>
-              <a:t>21.04.2021</a:t>
+              <a:t>30.03.2022</a:t>
             </a:fld>
             <a:endParaRPr lang="ru-RU" dirty="0"/>
           </a:p>
@@ -1009,7 +1009,7 @@
           <a:p>
             <a:fld id="{9F4DF3D0-C105-404D-A43B-7CBA1B97B744}" type="datetimeFigureOut">
               <a:rPr lang="ru-RU" smtClean="0"/>
-              <a:t>21.04.2021</a:t>
+              <a:t>30.03.2022</a:t>
             </a:fld>
             <a:endParaRPr lang="ru-RU" dirty="0"/>
           </a:p>
@@ -1179,7 +1179,7 @@
           <a:p>
             <a:fld id="{9F4DF3D0-C105-404D-A43B-7CBA1B97B744}" type="datetimeFigureOut">
               <a:rPr lang="ru-RU" smtClean="0"/>
-              <a:t>21.04.2021</a:t>
+              <a:t>30.03.2022</a:t>
             </a:fld>
             <a:endParaRPr lang="ru-RU" dirty="0"/>
           </a:p>
@@ -1425,7 +1425,7 @@
           <a:p>
             <a:fld id="{9F4DF3D0-C105-404D-A43B-7CBA1B97B744}" type="datetimeFigureOut">
               <a:rPr lang="ru-RU" smtClean="0"/>
-              <a:t>21.04.2021</a:t>
+              <a:t>30.03.2022</a:t>
             </a:fld>
             <a:endParaRPr lang="ru-RU" dirty="0"/>
           </a:p>
@@ -1657,7 +1657,7 @@
           <a:p>
             <a:fld id="{9F4DF3D0-C105-404D-A43B-7CBA1B97B744}" type="datetimeFigureOut">
               <a:rPr lang="ru-RU" smtClean="0"/>
-              <a:t>21.04.2021</a:t>
+              <a:t>30.03.2022</a:t>
             </a:fld>
             <a:endParaRPr lang="ru-RU" dirty="0"/>
           </a:p>
@@ -2024,7 +2024,7 @@
           <a:p>
             <a:fld id="{9F4DF3D0-C105-404D-A43B-7CBA1B97B744}" type="datetimeFigureOut">
               <a:rPr lang="ru-RU" smtClean="0"/>
-              <a:t>21.04.2021</a:t>
+              <a:t>30.03.2022</a:t>
             </a:fld>
             <a:endParaRPr lang="ru-RU" dirty="0"/>
           </a:p>
@@ -2142,7 +2142,7 @@
           <a:p>
             <a:fld id="{9F4DF3D0-C105-404D-A43B-7CBA1B97B744}" type="datetimeFigureOut">
               <a:rPr lang="ru-RU" smtClean="0"/>
-              <a:t>21.04.2021</a:t>
+              <a:t>30.03.2022</a:t>
             </a:fld>
             <a:endParaRPr lang="ru-RU" dirty="0"/>
           </a:p>
@@ -2237,7 +2237,7 @@
           <a:p>
             <a:fld id="{9F4DF3D0-C105-404D-A43B-7CBA1B97B744}" type="datetimeFigureOut">
               <a:rPr lang="ru-RU" smtClean="0"/>
-              <a:t>21.04.2021</a:t>
+              <a:t>30.03.2022</a:t>
             </a:fld>
             <a:endParaRPr lang="ru-RU" dirty="0"/>
           </a:p>
@@ -2514,7 +2514,7 @@
           <a:p>
             <a:fld id="{9F4DF3D0-C105-404D-A43B-7CBA1B97B744}" type="datetimeFigureOut">
               <a:rPr lang="ru-RU" smtClean="0"/>
-              <a:t>21.04.2021</a:t>
+              <a:t>30.03.2022</a:t>
             </a:fld>
             <a:endParaRPr lang="ru-RU" dirty="0"/>
           </a:p>
@@ -2767,7 +2767,7 @@
           <a:p>
             <a:fld id="{9F4DF3D0-C105-404D-A43B-7CBA1B97B744}" type="datetimeFigureOut">
               <a:rPr lang="ru-RU" smtClean="0"/>
-              <a:t>21.04.2021</a:t>
+              <a:t>30.03.2022</a:t>
             </a:fld>
             <a:endParaRPr lang="ru-RU" dirty="0"/>
           </a:p>
@@ -2980,7 +2980,7 @@
           <a:p>
             <a:fld id="{9F4DF3D0-C105-404D-A43B-7CBA1B97B744}" type="datetimeFigureOut">
               <a:rPr lang="ru-RU" smtClean="0"/>
-              <a:t>21.04.2021</a:t>
+              <a:t>30.03.2022</a:t>
             </a:fld>
             <a:endParaRPr lang="ru-RU" dirty="0"/>
           </a:p>
@@ -3579,18 +3579,21 @@
             <a:endParaRPr lang="ru-RU" dirty="0" smtClean="0"/>
           </a:p>
           <a:p>
+            <a:pPr algn="just"/>
             <a:r>
               <a:rPr lang="ru-RU" dirty="0" smtClean="0"/>
               <a:t>Нет ограничений на длину входной последовательности.</a:t>
             </a:r>
           </a:p>
           <a:p>
+            <a:pPr algn="just"/>
             <a:r>
               <a:rPr lang="ru-RU" dirty="0" smtClean="0"/>
               <a:t>Размер модели не зависит от длины последовательности.</a:t>
             </a:r>
           </a:p>
           <a:p>
+            <a:pPr algn="just"/>
             <a:r>
               <a:rPr lang="ru-RU" dirty="0" smtClean="0"/>
               <a:t>Теоретически, данные могут сохраняться в сети произвольное время.</a:t>
@@ -3690,12 +3693,14 @@
             <a:endParaRPr lang="ru-RU" dirty="0" smtClean="0"/>
           </a:p>
           <a:p>
+            <a:pPr algn="just"/>
             <a:r>
               <a:rPr lang="ru-RU" dirty="0" smtClean="0"/>
               <a:t>Низкая скорость работы.</a:t>
             </a:r>
           </a:p>
           <a:p>
+            <a:pPr algn="just"/>
             <a:r>
               <a:rPr lang="ru-RU" dirty="0" smtClean="0"/>
               <a:t>Склонность к исчезновени</a:t>
@@ -3710,6 +3715,7 @@
             </a:r>
           </a:p>
           <a:p>
+            <a:pPr algn="just"/>
             <a:r>
               <a:rPr lang="ru-RU" dirty="0" smtClean="0"/>
               <a:t>Рекуррентная сеть может использовать информацию, полученную несколько шагов назад, но фактически количество таких шагов ограничено.</a:t>
@@ -3802,22 +3808,27 @@
           <a:bodyPr/>
           <a:lstStyle/>
           <a:p>
-            <a:pPr marL="0" indent="0">
+            <a:pPr marL="0" indent="0" algn="just">
               <a:buNone/>
             </a:pPr>
             <a:r>
               <a:rPr lang="ru-RU" dirty="0" smtClean="0"/>
-              <a:t>Можно построить более сложную структуру на базе рекуррентных сетей так, чтобы информация могла сохраняться неограниченно долго.</a:t>
-            </a:r>
-          </a:p>
-          <a:p>
-            <a:pPr marL="0" indent="0">
+              <a:t>Можно построить более сложную структуру на базе рекуррентных сетей так, чтобы информация могла </a:t>
+            </a:r>
+            <a:r>
+              <a:rPr lang="ru-RU" smtClean="0"/>
+              <a:t>сохраняться дольше.</a:t>
+            </a:r>
+            <a:endParaRPr lang="ru-RU" dirty="0" smtClean="0"/>
+          </a:p>
+          <a:p>
+            <a:pPr marL="0" indent="0" algn="just">
               <a:buNone/>
             </a:pPr>
             <a:endParaRPr lang="ru-RU" dirty="0"/>
           </a:p>
           <a:p>
-            <a:pPr marL="0" indent="0">
+            <a:pPr marL="0" indent="0" algn="just">
               <a:buNone/>
             </a:pPr>
             <a:r>
@@ -4757,7 +4768,7 @@
           <a:p>
             <a:r>
               <a:rPr lang="ru-RU" dirty="0" smtClean="0"/>
-              <a:t>Сети с долгой краткосрочной памяти</a:t>
+              <a:t>Сети с долгой краткосрочной памятью</a:t>
             </a:r>
           </a:p>
           <a:p>
@@ -5945,7 +5956,7 @@
             </a:r>
           </a:p>
           <a:p>
-            <a:pPr marL="104775" indent="0">
+            <a:pPr marL="104775" indent="0" algn="just">
               <a:buSzPct val="45000"/>
               <a:buNone/>
               <a:tabLst>
@@ -6565,7 +6576,7 @@
           <a:bodyPr/>
           <a:lstStyle/>
           <a:p>
-            <a:pPr marL="0" indent="0">
+            <a:pPr marL="0" indent="0" algn="just">
               <a:buNone/>
             </a:pPr>
             <a:r>
@@ -6574,13 +6585,13 @@
             </a:r>
           </a:p>
           <a:p>
-            <a:pPr marL="0" indent="0">
+            <a:pPr marL="0" indent="0" algn="just">
               <a:buNone/>
             </a:pPr>
             <a:endParaRPr lang="ru-RU" dirty="0"/>
           </a:p>
           <a:p>
-            <a:pPr marL="0" indent="0">
+            <a:pPr marL="0" indent="0" algn="just">
               <a:buNone/>
             </a:pPr>
             <a:r>
@@ -6589,13 +6600,13 @@
             </a:r>
           </a:p>
           <a:p>
-            <a:pPr marL="0" indent="0">
+            <a:pPr marL="0" indent="0" algn="just">
               <a:buNone/>
             </a:pPr>
             <a:endParaRPr lang="ru-RU" dirty="0"/>
           </a:p>
           <a:p>
-            <a:pPr marL="0" indent="0">
+            <a:pPr marL="0" indent="0" algn="just">
               <a:buNone/>
             </a:pPr>
             <a:r>
@@ -7208,11 +7219,23 @@
             </a:pPr>
             <a:r>
               <a:rPr lang="ru-RU" altLang="ru-RU" dirty="0" err="1" smtClean="0"/>
+              <a:t>суммаризация</a:t>
+            </a:r>
+            <a:r>
+              <a:rPr lang="ru-RU" altLang="ru-RU" dirty="0" smtClean="0"/>
+              <a:t> </a:t>
+            </a:r>
+            <a:r>
+              <a:rPr lang="ru-RU" altLang="ru-RU" dirty="0"/>
+              <a:t>(</a:t>
+            </a:r>
+            <a:r>
+              <a:rPr lang="ru-RU" altLang="ru-RU" dirty="0" err="1" smtClean="0"/>
               <a:t>резюмирование</a:t>
             </a:r>
             <a:r>
               <a:rPr lang="ru-RU" altLang="ru-RU" dirty="0" smtClean="0"/>
-              <a:t> текста.</a:t>
+              <a:t>) текста.</a:t>
             </a:r>
             <a:endParaRPr lang="ru-RU" altLang="ru-RU" dirty="0"/>
           </a:p>
